--- a/Vortrag/Mobile Anwendungsentwicklung.pptx
+++ b/Vortrag/Mobile Anwendungsentwicklung.pptx
@@ -850,7 +850,7 @@
           <a:p>
             <a:fld id="{8585C428-70D7-46E9-9131-D3E44C0A2752}" type="datetimeFigureOut">
               <a:rPr lang="de-DE" smtClean="0"/>
-              <a:t>10.12.2017</a:t>
+              <a:t>17.12.2017</a:t>
             </a:fld>
             <a:endParaRPr lang="de-DE"/>
           </a:p>
@@ -1101,7 +1101,7 @@
           <a:p>
             <a:fld id="{8585C428-70D7-46E9-9131-D3E44C0A2752}" type="datetimeFigureOut">
               <a:rPr lang="de-DE" smtClean="0"/>
-              <a:t>10.12.2017</a:t>
+              <a:t>17.12.2017</a:t>
             </a:fld>
             <a:endParaRPr lang="de-DE"/>
           </a:p>
@@ -1415,7 +1415,7 @@
           <a:p>
             <a:fld id="{8585C428-70D7-46E9-9131-D3E44C0A2752}" type="datetimeFigureOut">
               <a:rPr lang="de-DE" smtClean="0"/>
-              <a:t>10.12.2017</a:t>
+              <a:t>17.12.2017</a:t>
             </a:fld>
             <a:endParaRPr lang="de-DE"/>
           </a:p>
@@ -1756,7 +1756,7 @@
           <a:p>
             <a:fld id="{8585C428-70D7-46E9-9131-D3E44C0A2752}" type="datetimeFigureOut">
               <a:rPr lang="de-DE" smtClean="0"/>
-              <a:t>10.12.2017</a:t>
+              <a:t>17.12.2017</a:t>
             </a:fld>
             <a:endParaRPr lang="de-DE"/>
           </a:p>
@@ -2070,7 +2070,7 @@
           <a:p>
             <a:fld id="{8585C428-70D7-46E9-9131-D3E44C0A2752}" type="datetimeFigureOut">
               <a:rPr lang="de-DE" smtClean="0"/>
-              <a:t>10.12.2017</a:t>
+              <a:t>17.12.2017</a:t>
             </a:fld>
             <a:endParaRPr lang="de-DE"/>
           </a:p>
@@ -2463,7 +2463,7 @@
           <a:p>
             <a:fld id="{8585C428-70D7-46E9-9131-D3E44C0A2752}" type="datetimeFigureOut">
               <a:rPr lang="de-DE" smtClean="0"/>
-              <a:t>10.12.2017</a:t>
+              <a:t>17.12.2017</a:t>
             </a:fld>
             <a:endParaRPr lang="de-DE"/>
           </a:p>
@@ -2633,7 +2633,7 @@
           <a:p>
             <a:fld id="{8585C428-70D7-46E9-9131-D3E44C0A2752}" type="datetimeFigureOut">
               <a:rPr lang="de-DE" smtClean="0"/>
-              <a:t>10.12.2017</a:t>
+              <a:t>17.12.2017</a:t>
             </a:fld>
             <a:endParaRPr lang="de-DE"/>
           </a:p>
@@ -2813,7 +2813,7 @@
           <a:p>
             <a:fld id="{8585C428-70D7-46E9-9131-D3E44C0A2752}" type="datetimeFigureOut">
               <a:rPr lang="de-DE" smtClean="0"/>
-              <a:t>10.12.2017</a:t>
+              <a:t>17.12.2017</a:t>
             </a:fld>
             <a:endParaRPr lang="de-DE"/>
           </a:p>
@@ -2989,7 +2989,7 @@
           <a:p>
             <a:fld id="{8585C428-70D7-46E9-9131-D3E44C0A2752}" type="datetimeFigureOut">
               <a:rPr lang="de-DE" smtClean="0"/>
-              <a:t>10.12.2017</a:t>
+              <a:t>17.12.2017</a:t>
             </a:fld>
             <a:endParaRPr lang="de-DE"/>
           </a:p>
@@ -3236,7 +3236,7 @@
           <a:p>
             <a:fld id="{8585C428-70D7-46E9-9131-D3E44C0A2752}" type="datetimeFigureOut">
               <a:rPr lang="de-DE" smtClean="0"/>
-              <a:t>10.12.2017</a:t>
+              <a:t>17.12.2017</a:t>
             </a:fld>
             <a:endParaRPr lang="de-DE"/>
           </a:p>
@@ -3468,7 +3468,7 @@
           <a:p>
             <a:fld id="{8585C428-70D7-46E9-9131-D3E44C0A2752}" type="datetimeFigureOut">
               <a:rPr lang="de-DE" smtClean="0"/>
-              <a:t>10.12.2017</a:t>
+              <a:t>17.12.2017</a:t>
             </a:fld>
             <a:endParaRPr lang="de-DE"/>
           </a:p>
@@ -3842,7 +3842,7 @@
           <a:p>
             <a:fld id="{8585C428-70D7-46E9-9131-D3E44C0A2752}" type="datetimeFigureOut">
               <a:rPr lang="de-DE" smtClean="0"/>
-              <a:t>10.12.2017</a:t>
+              <a:t>17.12.2017</a:t>
             </a:fld>
             <a:endParaRPr lang="de-DE"/>
           </a:p>
@@ -3965,7 +3965,7 @@
           <a:p>
             <a:fld id="{8585C428-70D7-46E9-9131-D3E44C0A2752}" type="datetimeFigureOut">
               <a:rPr lang="de-DE" smtClean="0"/>
-              <a:t>10.12.2017</a:t>
+              <a:t>17.12.2017</a:t>
             </a:fld>
             <a:endParaRPr lang="de-DE"/>
           </a:p>
@@ -4060,7 +4060,7 @@
           <a:p>
             <a:fld id="{8585C428-70D7-46E9-9131-D3E44C0A2752}" type="datetimeFigureOut">
               <a:rPr lang="de-DE" smtClean="0"/>
-              <a:t>10.12.2017</a:t>
+              <a:t>17.12.2017</a:t>
             </a:fld>
             <a:endParaRPr lang="de-DE"/>
           </a:p>
@@ -4315,7 +4315,7 @@
           <a:p>
             <a:fld id="{8585C428-70D7-46E9-9131-D3E44C0A2752}" type="datetimeFigureOut">
               <a:rPr lang="de-DE" smtClean="0"/>
-              <a:t>10.12.2017</a:t>
+              <a:t>17.12.2017</a:t>
             </a:fld>
             <a:endParaRPr lang="de-DE"/>
           </a:p>
@@ -4578,7 +4578,7 @@
           <a:p>
             <a:fld id="{8585C428-70D7-46E9-9131-D3E44C0A2752}" type="datetimeFigureOut">
               <a:rPr lang="de-DE" smtClean="0"/>
-              <a:t>10.12.2017</a:t>
+              <a:t>17.12.2017</a:t>
             </a:fld>
             <a:endParaRPr lang="de-DE"/>
           </a:p>
@@ -5321,7 +5321,7 @@
           <a:p>
             <a:fld id="{8585C428-70D7-46E9-9131-D3E44C0A2752}" type="datetimeFigureOut">
               <a:rPr lang="de-DE" smtClean="0"/>
-              <a:t>10.12.2017</a:t>
+              <a:t>17.12.2017</a:t>
             </a:fld>
             <a:endParaRPr lang="de-DE"/>
           </a:p>
@@ -6636,7 +6636,10 @@
           <a:bodyPr/>
           <a:lstStyle/>
           <a:p>
-            <a:endParaRPr lang="de-DE"/>
+            <a:r>
+              <a:rPr lang="de-DE"/>
+              <a:t>Änderung für Eddy</a:t>
+            </a:r>
           </a:p>
         </p:txBody>
       </p:sp>
